--- a/Collaterals/IntelMakersESP32course - class 2.pptx
+++ b/Collaterals/IntelMakersESP32course - class 2.pptx
@@ -274,7 +274,7 @@
                 <a:latin typeface="Intel Clear"/>
               </a:rPr>
               <a:pPr/>
-              <a:t>12-Jun-21</a:t>
+              <a:t>28-Jun-21</a:t>
             </a:fld>
             <a:endParaRPr lang="en-US" dirty="0">
               <a:latin typeface="Intel Clear"/>
@@ -454,7 +454,7 @@
             <a:fld id="{ED7FC5FE-6F0D-D34A-8EE6-C95B4F5F4DC8}" type="datetimeFigureOut">
               <a:rPr lang="en-US" smtClean="0"/>
               <a:pPr/>
-              <a:t>12-Jun-21</a:t>
+              <a:t>28-Jun-21</a:t>
             </a:fld>
             <a:endParaRPr lang="en-US" dirty="0"/>
           </a:p>
@@ -996,7 +996,7 @@
           <a:noFill/>
           <a:extLst>
             <a:ext uri="{909E8E84-426E-40dd-AFC4-6F175D3DCCD1}">
-              <a14:hiddenFill xmlns:a14="http://schemas.microsoft.com/office/drawing/2010/main" xmlns="">
+              <a14:hiddenFill xmlns="" xmlns:a14="http://schemas.microsoft.com/office/drawing/2010/main">
                 <a:solidFill>
                   <a:srgbClr val="FFFFFF"/>
                 </a:solidFill>
@@ -3870,7 +3870,7 @@
           <a:noFill/>
           <a:extLst>
             <a:ext uri="{909E8E84-426E-40dd-AFC4-6F175D3DCCD1}">
-              <a14:hiddenFill xmlns:a14="http://schemas.microsoft.com/office/drawing/2010/main" xmlns="">
+              <a14:hiddenFill xmlns="" xmlns:a14="http://schemas.microsoft.com/office/drawing/2010/main">
                 <a:solidFill>
                   <a:srgbClr val="FFFFFF"/>
                 </a:solidFill>
@@ -4039,7 +4039,7 @@
           <a:noFill/>
           <a:extLst>
             <a:ext uri="{909E8E84-426E-40dd-AFC4-6F175D3DCCD1}">
-              <a14:hiddenFill xmlns:a14="http://schemas.microsoft.com/office/drawing/2010/main" xmlns="">
+              <a14:hiddenFill xmlns="" xmlns:a14="http://schemas.microsoft.com/office/drawing/2010/main">
                 <a:solidFill>
                   <a:srgbClr val="FFFFFF"/>
                 </a:solidFill>
@@ -4434,7 +4434,7 @@
           <a:noFill/>
           <a:extLst>
             <a:ext uri="{909E8E84-426E-40dd-AFC4-6F175D3DCCD1}">
-              <a14:hiddenFill xmlns:a14="http://schemas.microsoft.com/office/drawing/2010/main" xmlns="">
+              <a14:hiddenFill xmlns="" xmlns:a14="http://schemas.microsoft.com/office/drawing/2010/main">
                 <a:solidFill>
                   <a:srgbClr val="FFFFFF"/>
                 </a:solidFill>
@@ -4737,7 +4737,7 @@
           <a:noFill/>
           <a:extLst>
             <a:ext uri="{909E8E84-426E-40dd-AFC4-6F175D3DCCD1}">
-              <a14:hiddenFill xmlns:a14="http://schemas.microsoft.com/office/drawing/2010/main" xmlns="">
+              <a14:hiddenFill xmlns="" xmlns:a14="http://schemas.microsoft.com/office/drawing/2010/main">
                 <a:solidFill>
                   <a:srgbClr val="FFFFFF"/>
                 </a:solidFill>
@@ -5073,7 +5073,7 @@
           <a:noFill/>
           <a:extLst>
             <a:ext uri="{909E8E84-426E-40dd-AFC4-6F175D3DCCD1}">
-              <a14:hiddenFill xmlns:a14="http://schemas.microsoft.com/office/drawing/2010/main" xmlns="">
+              <a14:hiddenFill xmlns="" xmlns:a14="http://schemas.microsoft.com/office/drawing/2010/main">
                 <a:solidFill>
                   <a:srgbClr val="FFFFFF"/>
                 </a:solidFill>
@@ -9289,7 +9289,7 @@
           <a:noFill/>
           <a:extLst>
             <a:ext uri="{909E8E84-426E-40dd-AFC4-6F175D3DCCD1}">
-              <a14:hiddenFill xmlns:a14="http://schemas.microsoft.com/office/drawing/2010/main" xmlns="">
+              <a14:hiddenFill xmlns="" xmlns:a14="http://schemas.microsoft.com/office/drawing/2010/main">
                 <a:solidFill>
                   <a:srgbClr val="FFFFFF"/>
                 </a:solidFill>
@@ -9533,7 +9533,7 @@
           <a:noFill/>
           <a:extLst>
             <a:ext uri="{909E8E84-426E-40dd-AFC4-6F175D3DCCD1}">
-              <a14:hiddenFill xmlns:a14="http://schemas.microsoft.com/office/drawing/2010/main" xmlns="">
+              <a14:hiddenFill xmlns="" xmlns:a14="http://schemas.microsoft.com/office/drawing/2010/main">
                 <a:solidFill>
                   <a:srgbClr val="FFFFFF"/>
                 </a:solidFill>
@@ -10958,7 +10958,7 @@
           <a:noFill/>
           <a:extLst>
             <a:ext uri="{909E8E84-426E-40dd-AFC4-6F175D3DCCD1}">
-              <a14:hiddenFill xmlns:a14="http://schemas.microsoft.com/office/drawing/2010/main" xmlns="">
+              <a14:hiddenFill xmlns="" xmlns:a14="http://schemas.microsoft.com/office/drawing/2010/main">
                 <a:solidFill>
                   <a:srgbClr val="FFFFFF"/>
                 </a:solidFill>
@@ -11575,7 +11575,7 @@
           <a:noFill/>
           <a:extLst>
             <a:ext uri="{909E8E84-426E-40dd-AFC4-6F175D3DCCD1}">
-              <a14:hiddenFill xmlns:a14="http://schemas.microsoft.com/office/drawing/2010/main" xmlns="">
+              <a14:hiddenFill xmlns="" xmlns:a14="http://schemas.microsoft.com/office/drawing/2010/main">
                 <a:solidFill>
                   <a:srgbClr val="FFFFFF"/>
                 </a:solidFill>
@@ -16838,6 +16838,78 @@
                 </a:solidFill>
               </a:rPr>
               <a:t>Memory 0</a:t>
+            </a:r>
+          </a:p>
+        </p:txBody>
+      </p:sp>
+      <p:sp>
+        <p:nvSpPr>
+          <p:cNvPr id="17" name="Rectangle 16">
+            <a:extLst>
+              <a:ext uri="{FF2B5EF4-FFF2-40B4-BE49-F238E27FC236}">
+                <a16:creationId xmlns:a16="http://schemas.microsoft.com/office/drawing/2014/main" id="{0199CC42-28B7-4378-ADF2-F0613044C4EF}"/>
+              </a:ext>
+            </a:extLst>
+          </p:cNvPr>
+          <p:cNvSpPr/>
+          <p:nvPr/>
+        </p:nvSpPr>
+        <p:spPr>
+          <a:xfrm>
+            <a:off x="1663908" y="1735688"/>
+            <a:ext cx="1496019" cy="372862"/>
+          </a:xfrm>
+          <a:prstGeom prst="rect">
+            <a:avLst/>
+          </a:prstGeom>
+          <a:solidFill>
+            <a:schemeClr val="accent3">
+              <a:lumMod val="60000"/>
+              <a:lumOff val="40000"/>
+            </a:schemeClr>
+          </a:solidFill>
+          <a:ln>
+            <a:noFill/>
+          </a:ln>
+          <a:effectLst/>
+        </p:spPr>
+        <p:style>
+          <a:lnRef idx="1">
+            <a:schemeClr val="accent1"/>
+          </a:lnRef>
+          <a:fillRef idx="3">
+            <a:schemeClr val="accent1"/>
+          </a:fillRef>
+          <a:effectRef idx="2">
+            <a:schemeClr val="accent1"/>
+          </a:effectRef>
+          <a:fontRef idx="minor">
+            <a:schemeClr val="lt1"/>
+          </a:fontRef>
+        </p:style>
+        <p:txBody>
+          <a:bodyPr rtlCol="0" anchor="ctr"/>
+          <a:lstStyle/>
+          <a:p>
+            <a:pPr algn="ctr"/>
+            <a:r>
+              <a:rPr lang="en-US" sz="800" dirty="0">
+                <a:solidFill>
+                  <a:srgbClr val="FF0000"/>
+                </a:solidFill>
+              </a:rPr>
+              <a:t>Optional Local Frame buffer</a:t>
+            </a:r>
+          </a:p>
+          <a:p>
+            <a:pPr algn="ctr"/>
+            <a:r>
+              <a:rPr lang="en-US" sz="800" dirty="0">
+                <a:solidFill>
+                  <a:srgbClr val="FF0000"/>
+                </a:solidFill>
+              </a:rPr>
+              <a:t>Memory</a:t>
             </a:r>
           </a:p>
         </p:txBody>

--- a/Collaterals/IntelMakersESP32course - class 2.pptx
+++ b/Collaterals/IntelMakersESP32course - class 2.pptx
@@ -274,7 +274,7 @@
                 <a:latin typeface="Intel Clear"/>
               </a:rPr>
               <a:pPr/>
-              <a:t>28-Jun-21</a:t>
+              <a:t>12/5/2022</a:t>
             </a:fld>
             <a:endParaRPr lang="en-US" dirty="0">
               <a:latin typeface="Intel Clear"/>
@@ -454,7 +454,7 @@
             <a:fld id="{ED7FC5FE-6F0D-D34A-8EE6-C95B4F5F4DC8}" type="datetimeFigureOut">
               <a:rPr lang="en-US" smtClean="0"/>
               <a:pPr/>
-              <a:t>28-Jun-21</a:t>
+              <a:t>12/5/2022</a:t>
             </a:fld>
             <a:endParaRPr lang="en-US" dirty="0"/>
           </a:p>
@@ -996,7 +996,7 @@
           <a:noFill/>
           <a:extLst>
             <a:ext uri="{909E8E84-426E-40dd-AFC4-6F175D3DCCD1}">
-              <a14:hiddenFill xmlns="" xmlns:a14="http://schemas.microsoft.com/office/drawing/2010/main">
+              <a14:hiddenFill xmlns:a14="http://schemas.microsoft.com/office/drawing/2010/main" xmlns="">
                 <a:solidFill>
                   <a:srgbClr val="FFFFFF"/>
                 </a:solidFill>
@@ -3870,7 +3870,7 @@
           <a:noFill/>
           <a:extLst>
             <a:ext uri="{909E8E84-426E-40dd-AFC4-6F175D3DCCD1}">
-              <a14:hiddenFill xmlns="" xmlns:a14="http://schemas.microsoft.com/office/drawing/2010/main">
+              <a14:hiddenFill xmlns:a14="http://schemas.microsoft.com/office/drawing/2010/main" xmlns="">
                 <a:solidFill>
                   <a:srgbClr val="FFFFFF"/>
                 </a:solidFill>
@@ -4039,7 +4039,7 @@
           <a:noFill/>
           <a:extLst>
             <a:ext uri="{909E8E84-426E-40dd-AFC4-6F175D3DCCD1}">
-              <a14:hiddenFill xmlns="" xmlns:a14="http://schemas.microsoft.com/office/drawing/2010/main">
+              <a14:hiddenFill xmlns:a14="http://schemas.microsoft.com/office/drawing/2010/main" xmlns="">
                 <a:solidFill>
                   <a:srgbClr val="FFFFFF"/>
                 </a:solidFill>
@@ -4434,7 +4434,7 @@
           <a:noFill/>
           <a:extLst>
             <a:ext uri="{909E8E84-426E-40dd-AFC4-6F175D3DCCD1}">
-              <a14:hiddenFill xmlns="" xmlns:a14="http://schemas.microsoft.com/office/drawing/2010/main">
+              <a14:hiddenFill xmlns:a14="http://schemas.microsoft.com/office/drawing/2010/main" xmlns="">
                 <a:solidFill>
                   <a:srgbClr val="FFFFFF"/>
                 </a:solidFill>
@@ -4737,7 +4737,7 @@
           <a:noFill/>
           <a:extLst>
             <a:ext uri="{909E8E84-426E-40dd-AFC4-6F175D3DCCD1}">
-              <a14:hiddenFill xmlns="" xmlns:a14="http://schemas.microsoft.com/office/drawing/2010/main">
+              <a14:hiddenFill xmlns:a14="http://schemas.microsoft.com/office/drawing/2010/main" xmlns="">
                 <a:solidFill>
                   <a:srgbClr val="FFFFFF"/>
                 </a:solidFill>
@@ -5073,7 +5073,7 @@
           <a:noFill/>
           <a:extLst>
             <a:ext uri="{909E8E84-426E-40dd-AFC4-6F175D3DCCD1}">
-              <a14:hiddenFill xmlns="" xmlns:a14="http://schemas.microsoft.com/office/drawing/2010/main">
+              <a14:hiddenFill xmlns:a14="http://schemas.microsoft.com/office/drawing/2010/main" xmlns="">
                 <a:solidFill>
                   <a:srgbClr val="FFFFFF"/>
                 </a:solidFill>
@@ -9289,7 +9289,7 @@
           <a:noFill/>
           <a:extLst>
             <a:ext uri="{909E8E84-426E-40dd-AFC4-6F175D3DCCD1}">
-              <a14:hiddenFill xmlns="" xmlns:a14="http://schemas.microsoft.com/office/drawing/2010/main">
+              <a14:hiddenFill xmlns:a14="http://schemas.microsoft.com/office/drawing/2010/main" xmlns="">
                 <a:solidFill>
                   <a:srgbClr val="FFFFFF"/>
                 </a:solidFill>
@@ -9533,7 +9533,7 @@
           <a:noFill/>
           <a:extLst>
             <a:ext uri="{909E8E84-426E-40dd-AFC4-6F175D3DCCD1}">
-              <a14:hiddenFill xmlns="" xmlns:a14="http://schemas.microsoft.com/office/drawing/2010/main">
+              <a14:hiddenFill xmlns:a14="http://schemas.microsoft.com/office/drawing/2010/main" xmlns="">
                 <a:solidFill>
                   <a:srgbClr val="FFFFFF"/>
                 </a:solidFill>
@@ -10958,7 +10958,7 @@
           <a:noFill/>
           <a:extLst>
             <a:ext uri="{909E8E84-426E-40dd-AFC4-6F175D3DCCD1}">
-              <a14:hiddenFill xmlns="" xmlns:a14="http://schemas.microsoft.com/office/drawing/2010/main">
+              <a14:hiddenFill xmlns:a14="http://schemas.microsoft.com/office/drawing/2010/main" xmlns="">
                 <a:solidFill>
                   <a:srgbClr val="FFFFFF"/>
                 </a:solidFill>
@@ -11575,7 +11575,7 @@
           <a:noFill/>
           <a:extLst>
             <a:ext uri="{909E8E84-426E-40dd-AFC4-6F175D3DCCD1}">
-              <a14:hiddenFill xmlns="" xmlns:a14="http://schemas.microsoft.com/office/drawing/2010/main">
+              <a14:hiddenFill xmlns:a14="http://schemas.microsoft.com/office/drawing/2010/main" xmlns="">
                 <a:solidFill>
                   <a:srgbClr val="FFFFFF"/>
                 </a:solidFill>
@@ -18318,7 +18318,7 @@
         <p:spPr>
           <a:xfrm>
             <a:off x="89853" y="401984"/>
-            <a:ext cx="8228012" cy="3425825"/>
+            <a:ext cx="8228012" cy="4322416"/>
           </a:xfrm>
         </p:spPr>
         <p:txBody>
